--- a/docs/Modulo-I/Presentaciones/01_Presentation.pptx
+++ b/docs/Modulo-I/Presentaciones/01_Presentation.pptx
@@ -7938,9 +7938,7 @@
             </a:extLst>
           </p:cNvPr>
           <p:cNvGraphicFramePr/>
-          <p:nvPr>
-            <p:extLst/>
-          </p:nvPr>
+          <p:nvPr/>
         </p:nvGraphicFramePr>
         <p:xfrm>
           <a:off x="2926303" y="1332615"/>
@@ -9742,7 +9740,7 @@
         </p:blipFill>
         <p:spPr>
           <a:xfrm>
-            <a:off x="3573517" y="39593"/>
+            <a:off x="3573518" y="39593"/>
             <a:ext cx="8618482" cy="6818408"/>
           </a:xfrm>
           <a:prstGeom prst="rect">
@@ -9750,45 +9748,6 @@
           </a:prstGeom>
         </p:spPr>
       </p:pic>
-      <p:sp>
-        <p:nvSpPr>
-          <p:cNvPr id="7" name="TextBox 6">
-            <a:extLst>
-              <a:ext uri="{FF2B5EF4-FFF2-40B4-BE49-F238E27FC236}">
-                <a16:creationId xmlns:a16="http://schemas.microsoft.com/office/drawing/2014/main" id="{3FADC3A1-4639-2D82-033E-06A8028CAC53}"/>
-              </a:ext>
-            </a:extLst>
-          </p:cNvPr>
-          <p:cNvSpPr txBox="1"/>
-          <p:nvPr/>
-        </p:nvSpPr>
-        <p:spPr>
-          <a:xfrm rot="18503929">
-            <a:off x="8009592" y="2578584"/>
-            <a:ext cx="3813313" cy="646331"/>
-          </a:xfrm>
-          <a:prstGeom prst="rect">
-            <a:avLst/>
-          </a:prstGeom>
-          <a:noFill/>
-        </p:spPr>
-        <p:txBody>
-          <a:bodyPr wrap="square" rtlCol="0">
-            <a:spAutoFit/>
-          </a:bodyPr>
-          <a:lstStyle/>
-          <a:p>
-            <a:r>
-              <a:rPr lang="es-ES_tradnl" sz="3600" dirty="0">
-                <a:solidFill>
-                  <a:srgbClr val="FF0000"/>
-                </a:solidFill>
-              </a:rPr>
-              <a:t>¿Por qué Python?</a:t>
-            </a:r>
-          </a:p>
-        </p:txBody>
-      </p:sp>
     </p:spTree>
     <p:extLst>
       <p:ext uri="{BB962C8B-B14F-4D97-AF65-F5344CB8AC3E}">
@@ -23228,9 +23187,7 @@
     <p:bg>
       <p:bgPr>
         <a:solidFill>
-          <a:schemeClr val="tx1">
-            <a:alpha val="66000"/>
-          </a:schemeClr>
+          <a:schemeClr val="bg1"/>
         </a:solidFill>
         <a:effectLst/>
       </p:bgPr>
@@ -23249,6 +23206,66 @@
           <a:chExt cx="0" cy="0"/>
         </a:xfrm>
       </p:grpSpPr>
+      <p:sp useBgFill="1">
+        <p:nvSpPr>
+          <p:cNvPr id="10" name="Rectangle 9">
+            <a:extLst>
+              <a:ext uri="{FF2B5EF4-FFF2-40B4-BE49-F238E27FC236}">
+                <a16:creationId xmlns:a16="http://schemas.microsoft.com/office/drawing/2014/main" id="{201CC55D-ED54-4C5C-95E6-10947BD1103B}"/>
+              </a:ext>
+              <a:ext uri="{C183D7F6-B498-43B3-948B-1728B52AA6E4}">
+                <adec:decorative xmlns:adec="http://schemas.microsoft.com/office/drawing/2017/decorative" val="1"/>
+              </a:ext>
+            </a:extLst>
+          </p:cNvPr>
+          <p:cNvSpPr>
+            <a:spLocks noGrp="1" noRot="1" noChangeAspect="1" noMove="1" noResize="1" noEditPoints="1" noAdjustHandles="1" noChangeArrowheads="1" noChangeShapeType="1" noTextEdit="1"/>
+          </p:cNvSpPr>
+          <p:nvPr>
+            <p:extLst>
+              <p:ext uri="{386F3935-93C4-4BCD-93E2-E3B085C9AB24}">
+                <p16:designElem xmlns:p16="http://schemas.microsoft.com/office/powerpoint/2015/main" val="1"/>
+              </p:ext>
+            </p:extLst>
+          </p:nvPr>
+        </p:nvSpPr>
+        <p:spPr>
+          <a:xfrm>
+            <a:off x="0" y="0"/>
+            <a:ext cx="12191999" cy="6857365"/>
+          </a:xfrm>
+          <a:prstGeom prst="rect">
+            <a:avLst/>
+          </a:prstGeom>
+          <a:ln>
+            <a:noFill/>
+          </a:ln>
+        </p:spPr>
+        <p:style>
+          <a:lnRef idx="2">
+            <a:schemeClr val="accent1">
+              <a:shade val="50000"/>
+            </a:schemeClr>
+          </a:lnRef>
+          <a:fillRef idx="1">
+            <a:schemeClr val="accent1"/>
+          </a:fillRef>
+          <a:effectRef idx="0">
+            <a:schemeClr val="accent1"/>
+          </a:effectRef>
+          <a:fontRef idx="minor">
+            <a:schemeClr val="lt1"/>
+          </a:fontRef>
+        </p:style>
+        <p:txBody>
+          <a:bodyPr rtlCol="0" anchor="ctr"/>
+          <a:lstStyle/>
+          <a:p>
+            <a:pPr algn="ctr"/>
+            <a:endParaRPr lang="en-US"/>
+          </a:p>
+        </p:txBody>
+      </p:sp>
       <p:sp>
         <p:nvSpPr>
           <p:cNvPr id="2" name="Title 1">
@@ -23267,20 +23284,516 @@
         </p:nvSpPr>
         <p:spPr>
           <a:xfrm>
-            <a:off x="5450197" y="377289"/>
-            <a:ext cx="5754896" cy="821314"/>
+            <a:off x="589560" y="856180"/>
+            <a:ext cx="4560584" cy="1128068"/>
           </a:xfrm>
         </p:spPr>
         <p:txBody>
-          <a:bodyPr anchor="b">
+          <a:bodyPr anchor="ctr">
             <a:normAutofit/>
           </a:bodyPr>
           <a:lstStyle/>
           <a:p>
             <a:r>
               <a:rPr lang="es-ES_tradnl" sz="4000" dirty="0"/>
-              <a:t>¿Por qué Django?</a:t>
-            </a:r>
+              <a:t>¿</a:t>
+            </a:r>
+            <a:r>
+              <a:rPr lang="es-ES_tradnl" sz="4000" dirty="0">
+                <a:solidFill>
+                  <a:schemeClr val="accent1">
+                    <a:lumMod val="75000"/>
+                  </a:schemeClr>
+                </a:solidFill>
+              </a:rPr>
+              <a:t>Por qué Django?</a:t>
+            </a:r>
+          </a:p>
+        </p:txBody>
+      </p:sp>
+      <p:grpSp>
+        <p:nvGrpSpPr>
+          <p:cNvPr id="12" name="Group 11">
+            <a:extLst>
+              <a:ext uri="{FF2B5EF4-FFF2-40B4-BE49-F238E27FC236}">
+                <a16:creationId xmlns:a16="http://schemas.microsoft.com/office/drawing/2014/main" id="{1DE889C7-FAD6-4397-98E2-05D503484459}"/>
+              </a:ext>
+              <a:ext uri="{C183D7F6-B498-43B3-948B-1728B52AA6E4}">
+                <adec:decorative xmlns:adec="http://schemas.microsoft.com/office/drawing/2017/decorative" val="1"/>
+              </a:ext>
+            </a:extLst>
+          </p:cNvPr>
+          <p:cNvGrpSpPr>
+            <a:grpSpLocks noGrp="1" noUngrp="1" noRot="1" noChangeAspect="1" noMove="1" noResize="1"/>
+          </p:cNvGrpSpPr>
+          <p:nvPr>
+            <p:extLst>
+              <p:ext uri="{386F3935-93C4-4BCD-93E2-E3B085C9AB24}">
+                <p16:designElem xmlns:p16="http://schemas.microsoft.com/office/powerpoint/2015/main" val="1"/>
+              </p:ext>
+            </p:extLst>
+          </p:nvPr>
+        </p:nvGrpSpPr>
+        <p:grpSpPr>
+          <a:xfrm>
+            <a:off x="0" y="1083484"/>
+            <a:ext cx="355196" cy="673460"/>
+            <a:chOff x="0" y="823811"/>
+            <a:chExt cx="355196" cy="673460"/>
+          </a:xfrm>
+        </p:grpSpPr>
+        <p:sp>
+          <p:nvSpPr>
+            <p:cNvPr id="13" name="Rectangle 12">
+              <a:extLst>
+                <a:ext uri="{FF2B5EF4-FFF2-40B4-BE49-F238E27FC236}">
+                  <a16:creationId xmlns:a16="http://schemas.microsoft.com/office/drawing/2014/main" id="{F399A70F-F8CD-4992-9EF5-6CF15472E73F}"/>
+                </a:ext>
+                <a:ext uri="{C183D7F6-B498-43B3-948B-1728B52AA6E4}">
+                  <adec:decorative xmlns:adec="http://schemas.microsoft.com/office/drawing/2017/decorative" val="1"/>
+                </a:ext>
+              </a:extLst>
+            </p:cNvPr>
+            <p:cNvSpPr/>
+            <p:nvPr>
+              <p:extLst>
+                <p:ext uri="{386F3935-93C4-4BCD-93E2-E3B085C9AB24}">
+                  <p16:designElem xmlns:p16="http://schemas.microsoft.com/office/powerpoint/2015/main" val="1"/>
+                </p:ext>
+              </p:extLst>
+            </p:nvPr>
+          </p:nvSpPr>
+          <p:spPr>
+            <a:xfrm>
+              <a:off x="0" y="823811"/>
+              <a:ext cx="87363" cy="673460"/>
+            </a:xfrm>
+            <a:prstGeom prst="rect">
+              <a:avLst/>
+            </a:prstGeom>
+            <a:solidFill>
+              <a:schemeClr val="accent4"/>
+            </a:solidFill>
+            <a:ln>
+              <a:noFill/>
+            </a:ln>
+          </p:spPr>
+          <p:style>
+            <a:lnRef idx="2">
+              <a:schemeClr val="accent1">
+                <a:shade val="50000"/>
+              </a:schemeClr>
+            </a:lnRef>
+            <a:fillRef idx="1">
+              <a:schemeClr val="accent1"/>
+            </a:fillRef>
+            <a:effectRef idx="0">
+              <a:schemeClr val="accent1"/>
+            </a:effectRef>
+            <a:fontRef idx="minor">
+              <a:schemeClr val="lt1"/>
+            </a:fontRef>
+          </p:style>
+          <p:txBody>
+            <a:bodyPr rtlCol="0" anchor="ctr"/>
+            <a:lstStyle/>
+            <a:p>
+              <a:pPr algn="ctr"/>
+              <a:endParaRPr lang="en-US"/>
+            </a:p>
+          </p:txBody>
+        </p:sp>
+        <p:sp>
+          <p:nvSpPr>
+            <p:cNvPr id="14" name="Rectangle 13">
+              <a:extLst>
+                <a:ext uri="{FF2B5EF4-FFF2-40B4-BE49-F238E27FC236}">
+                  <a16:creationId xmlns:a16="http://schemas.microsoft.com/office/drawing/2014/main" id="{48F4FEDC-6D80-458C-A665-075D9B9500FD}"/>
+                </a:ext>
+                <a:ext uri="{C183D7F6-B498-43B3-948B-1728B52AA6E4}">
+                  <adec:decorative xmlns:adec="http://schemas.microsoft.com/office/drawing/2017/decorative" val="1"/>
+                </a:ext>
+              </a:extLst>
+            </p:cNvPr>
+            <p:cNvSpPr/>
+            <p:nvPr>
+              <p:extLst>
+                <p:ext uri="{386F3935-93C4-4BCD-93E2-E3B085C9AB24}">
+                  <p16:designElem xmlns:p16="http://schemas.microsoft.com/office/powerpoint/2015/main" val="1"/>
+                </p:ext>
+              </p:extLst>
+            </p:nvPr>
+          </p:nvSpPr>
+          <p:spPr>
+            <a:xfrm>
+              <a:off x="159341" y="823811"/>
+              <a:ext cx="195855" cy="673460"/>
+            </a:xfrm>
+            <a:prstGeom prst="rect">
+              <a:avLst/>
+            </a:prstGeom>
+            <a:solidFill>
+              <a:schemeClr val="accent4"/>
+            </a:solidFill>
+            <a:ln>
+              <a:noFill/>
+            </a:ln>
+          </p:spPr>
+          <p:style>
+            <a:lnRef idx="2">
+              <a:schemeClr val="accent1">
+                <a:shade val="50000"/>
+              </a:schemeClr>
+            </a:lnRef>
+            <a:fillRef idx="1">
+              <a:schemeClr val="accent1"/>
+            </a:fillRef>
+            <a:effectRef idx="0">
+              <a:schemeClr val="accent1"/>
+            </a:effectRef>
+            <a:fontRef idx="minor">
+              <a:schemeClr val="lt1"/>
+            </a:fontRef>
+          </p:style>
+          <p:txBody>
+            <a:bodyPr rtlCol="0" anchor="ctr"/>
+            <a:lstStyle/>
+            <a:p>
+              <a:pPr algn="ctr"/>
+              <a:endParaRPr lang="en-US"/>
+            </a:p>
+          </p:txBody>
+        </p:sp>
+      </p:grpSp>
+      <p:sp>
+        <p:nvSpPr>
+          <p:cNvPr id="16" name="Rectangle 15">
+            <a:extLst>
+              <a:ext uri="{FF2B5EF4-FFF2-40B4-BE49-F238E27FC236}">
+                <a16:creationId xmlns:a16="http://schemas.microsoft.com/office/drawing/2014/main" id="{3873B707-463F-40B0-8227-E8CC6C67EB25}"/>
+              </a:ext>
+              <a:ext uri="{C183D7F6-B498-43B3-948B-1728B52AA6E4}">
+                <adec:decorative xmlns:adec="http://schemas.microsoft.com/office/drawing/2017/decorative" val="1"/>
+              </a:ext>
+            </a:extLst>
+          </p:cNvPr>
+          <p:cNvSpPr>
+            <a:spLocks noGrp="1" noRot="1" noChangeAspect="1" noMove="1" noResize="1" noEditPoints="1" noAdjustHandles="1" noChangeArrowheads="1" noChangeShapeType="1" noTextEdit="1"/>
+          </p:cNvSpPr>
+          <p:nvPr>
+            <p:extLst>
+              <p:ext uri="{386F3935-93C4-4BCD-93E2-E3B085C9AB24}">
+                <p16:designElem xmlns:p16="http://schemas.microsoft.com/office/powerpoint/2015/main" val="1"/>
+              </p:ext>
+            </p:extLst>
+          </p:nvPr>
+        </p:nvSpPr>
+        <p:spPr>
+          <a:xfrm flipH="1">
+            <a:off x="665085" y="2090569"/>
+            <a:ext cx="4297680" cy="27432"/>
+          </a:xfrm>
+          <a:prstGeom prst="rect">
+            <a:avLst/>
+          </a:prstGeom>
+          <a:solidFill>
+            <a:schemeClr val="accent4"/>
+          </a:solidFill>
+          <a:ln>
+            <a:noFill/>
+          </a:ln>
+        </p:spPr>
+        <p:style>
+          <a:lnRef idx="2">
+            <a:schemeClr val="accent1">
+              <a:shade val="50000"/>
+            </a:schemeClr>
+          </a:lnRef>
+          <a:fillRef idx="1">
+            <a:schemeClr val="accent1"/>
+          </a:fillRef>
+          <a:effectRef idx="0">
+            <a:schemeClr val="accent1"/>
+          </a:effectRef>
+          <a:fontRef idx="minor">
+            <a:schemeClr val="lt1"/>
+          </a:fontRef>
+        </p:style>
+        <p:txBody>
+          <a:bodyPr rtlCol="0" anchor="ctr"/>
+          <a:lstStyle/>
+          <a:p>
+            <a:pPr algn="ctr"/>
+            <a:endParaRPr lang="en-US"/>
+          </a:p>
+        </p:txBody>
+      </p:sp>
+      <p:sp>
+        <p:nvSpPr>
+          <p:cNvPr id="3" name="Content Placeholder 2">
+            <a:extLst>
+              <a:ext uri="{FF2B5EF4-FFF2-40B4-BE49-F238E27FC236}">
+                <a16:creationId xmlns:a16="http://schemas.microsoft.com/office/drawing/2014/main" id="{6A8D503B-9145-DC2C-713A-C91FDE47595F}"/>
+              </a:ext>
+            </a:extLst>
+          </p:cNvPr>
+          <p:cNvSpPr>
+            <a:spLocks noGrp="1"/>
+          </p:cNvSpPr>
+          <p:nvPr>
+            <p:ph idx="1"/>
+          </p:nvPr>
+        </p:nvSpPr>
+        <p:spPr>
+          <a:xfrm>
+            <a:off x="590719" y="2330505"/>
+            <a:ext cx="4559425" cy="3979585"/>
+          </a:xfrm>
+        </p:spPr>
+        <p:txBody>
+          <a:bodyPr anchor="ctr">
+            <a:normAutofit/>
+          </a:bodyPr>
+          <a:lstStyle/>
+          <a:p>
+            <a:r>
+              <a:rPr lang="es-ES_tradnl" sz="2000" i="1" dirty="0">
+                <a:solidFill>
+                  <a:schemeClr val="accent1">
+                    <a:lumMod val="75000"/>
+                  </a:schemeClr>
+                </a:solidFill>
+              </a:rPr>
+              <a:t>¿Dónde debe enfocar su esfuerzo y tiempo? </a:t>
+            </a:r>
+          </a:p>
+          <a:p>
+            <a:r>
+              <a:rPr lang="es-ES_tradnl" sz="2000" dirty="0">
+                <a:solidFill>
+                  <a:schemeClr val="accent1">
+                    <a:lumMod val="75000"/>
+                  </a:schemeClr>
+                </a:solidFill>
+                <a:sym typeface="Wingdings" panose="05000000000000000000" pitchFamily="2" charset="2"/>
+              </a:rPr>
+              <a:t>Framework para el desarrollo Web en Python </a:t>
+            </a:r>
+            <a:endParaRPr lang="es-ES_tradnl" sz="2000" dirty="0">
+              <a:solidFill>
+                <a:schemeClr val="accent1">
+                  <a:lumMod val="75000"/>
+                </a:schemeClr>
+              </a:solidFill>
+            </a:endParaRPr>
+          </a:p>
+          <a:p>
+            <a:r>
+              <a:rPr lang="es-ES_tradnl" sz="2000" dirty="0">
+                <a:solidFill>
+                  <a:schemeClr val="accent1">
+                    <a:lumMod val="75000"/>
+                  </a:schemeClr>
+                </a:solidFill>
+              </a:rPr>
+              <a:t>Versátil / Fácil de usar</a:t>
+            </a:r>
+          </a:p>
+          <a:p>
+            <a:r>
+              <a:rPr lang="es-ES_tradnl" sz="2000" dirty="0">
+                <a:solidFill>
+                  <a:schemeClr val="accent1">
+                    <a:lumMod val="75000"/>
+                  </a:schemeClr>
+                </a:solidFill>
+              </a:rPr>
+              <a:t>Aplicaciones complejas</a:t>
+            </a:r>
+          </a:p>
+          <a:p>
+            <a:r>
+              <a:rPr lang="es-ES_tradnl" sz="2000" dirty="0">
+                <a:solidFill>
+                  <a:schemeClr val="accent1">
+                    <a:lumMod val="75000"/>
+                  </a:schemeClr>
+                </a:solidFill>
+              </a:rPr>
+              <a:t>Aplicaciones web eficientes y seguras </a:t>
+            </a:r>
+            <a:endParaRPr lang="es-ES_tradnl" sz="2000" u="sng" dirty="0">
+              <a:solidFill>
+                <a:schemeClr val="accent1">
+                  <a:lumMod val="75000"/>
+                </a:schemeClr>
+              </a:solidFill>
+            </a:endParaRPr>
+          </a:p>
+          <a:p>
+            <a:r>
+              <a:rPr lang="es-ES_tradnl" sz="2000" dirty="0">
+                <a:solidFill>
+                  <a:schemeClr val="accent1">
+                    <a:lumMod val="75000"/>
+                  </a:schemeClr>
+                </a:solidFill>
+              </a:rPr>
+              <a:t>Django–</a:t>
+            </a:r>
+            <a:r>
+              <a:rPr lang="es-ES_tradnl" sz="2000" dirty="0" err="1">
+                <a:solidFill>
+                  <a:schemeClr val="accent1">
+                    <a:lumMod val="75000"/>
+                  </a:schemeClr>
+                </a:solidFill>
+              </a:rPr>
+              <a:t>rest</a:t>
+            </a:r>
+            <a:r>
+              <a:rPr lang="es-ES_tradnl" sz="2000" dirty="0">
+                <a:solidFill>
+                  <a:schemeClr val="accent1">
+                    <a:lumMod val="75000"/>
+                  </a:schemeClr>
+                </a:solidFill>
+              </a:rPr>
+              <a:t> Framework</a:t>
+            </a:r>
+          </a:p>
+        </p:txBody>
+      </p:sp>
+      <p:sp>
+        <p:nvSpPr>
+          <p:cNvPr id="18" name="Rectangle 17">
+            <a:extLst>
+              <a:ext uri="{FF2B5EF4-FFF2-40B4-BE49-F238E27FC236}">
+                <a16:creationId xmlns:a16="http://schemas.microsoft.com/office/drawing/2014/main" id="{C13237C8-E62C-4F0D-A318-BD6FB6C2D138}"/>
+              </a:ext>
+              <a:ext uri="{C183D7F6-B498-43B3-948B-1728B52AA6E4}">
+                <adec:decorative xmlns:adec="http://schemas.microsoft.com/office/drawing/2017/decorative" val="1"/>
+              </a:ext>
+            </a:extLst>
+          </p:cNvPr>
+          <p:cNvSpPr>
+            <a:spLocks noGrp="1" noRot="1" noChangeAspect="1" noMove="1" noResize="1" noEditPoints="1" noAdjustHandles="1" noChangeArrowheads="1" noChangeShapeType="1" noTextEdit="1"/>
+          </p:cNvSpPr>
+          <p:nvPr>
+            <p:extLst>
+              <p:ext uri="{386F3935-93C4-4BCD-93E2-E3B085C9AB24}">
+                <p16:designElem xmlns:p16="http://schemas.microsoft.com/office/powerpoint/2015/main" val="1"/>
+              </p:ext>
+            </p:extLst>
+          </p:nvPr>
+        </p:nvSpPr>
+        <p:spPr>
+          <a:xfrm flipH="1">
+            <a:off x="10697670" y="0"/>
+            <a:ext cx="1494330" cy="6858000"/>
+          </a:xfrm>
+          <a:prstGeom prst="rect">
+            <a:avLst/>
+          </a:prstGeom>
+          <a:solidFill>
+            <a:schemeClr val="accent4"/>
+          </a:solidFill>
+          <a:ln>
+            <a:noFill/>
+          </a:ln>
+        </p:spPr>
+        <p:style>
+          <a:lnRef idx="2">
+            <a:schemeClr val="accent1">
+              <a:shade val="50000"/>
+            </a:schemeClr>
+          </a:lnRef>
+          <a:fillRef idx="1">
+            <a:schemeClr val="accent1"/>
+          </a:fillRef>
+          <a:effectRef idx="0">
+            <a:schemeClr val="accent1"/>
+          </a:effectRef>
+          <a:fontRef idx="minor">
+            <a:schemeClr val="lt1"/>
+          </a:fontRef>
+        </p:style>
+        <p:txBody>
+          <a:bodyPr rtlCol="0" anchor="ctr"/>
+          <a:lstStyle/>
+          <a:p>
+            <a:pPr algn="ctr"/>
+            <a:endParaRPr lang="en-US"/>
+          </a:p>
+        </p:txBody>
+      </p:sp>
+      <p:sp>
+        <p:nvSpPr>
+          <p:cNvPr id="20" name="Rectangle 19">
+            <a:extLst>
+              <a:ext uri="{FF2B5EF4-FFF2-40B4-BE49-F238E27FC236}">
+                <a16:creationId xmlns:a16="http://schemas.microsoft.com/office/drawing/2014/main" id="{19C9EAEA-39D0-4B0E-A0EB-51E7B26740B1}"/>
+              </a:ext>
+              <a:ext uri="{C183D7F6-B498-43B3-948B-1728B52AA6E4}">
+                <adec:decorative xmlns:adec="http://schemas.microsoft.com/office/drawing/2017/decorative" val="1"/>
+              </a:ext>
+            </a:extLst>
+          </p:cNvPr>
+          <p:cNvSpPr>
+            <a:spLocks noGrp="1" noRot="1" noChangeAspect="1" noMove="1" noResize="1" noEditPoints="1" noAdjustHandles="1" noChangeArrowheads="1" noChangeShapeType="1" noTextEdit="1"/>
+          </p:cNvSpPr>
+          <p:nvPr>
+            <p:extLst>
+              <p:ext uri="{386F3935-93C4-4BCD-93E2-E3B085C9AB24}">
+                <p16:designElem xmlns:p16="http://schemas.microsoft.com/office/powerpoint/2015/main" val="1"/>
+              </p:ext>
+            </p:extLst>
+          </p:nvPr>
+        </p:nvSpPr>
+        <p:spPr>
+          <a:xfrm>
+            <a:off x="5685810" y="513853"/>
+            <a:ext cx="6009366" cy="5834577"/>
+          </a:xfrm>
+          <a:prstGeom prst="rect">
+            <a:avLst/>
+          </a:prstGeom>
+          <a:solidFill>
+            <a:schemeClr val="bg1"/>
+          </a:solidFill>
+          <a:ln>
+            <a:noFill/>
+          </a:ln>
+          <a:effectLst>
+            <a:outerShdw blurRad="139700" dist="127000" dir="5400000" algn="t" rotWithShape="0">
+              <a:prstClr val="black">
+                <a:alpha val="15000"/>
+              </a:prstClr>
+            </a:outerShdw>
+          </a:effectLst>
+        </p:spPr>
+        <p:style>
+          <a:lnRef idx="2">
+            <a:schemeClr val="accent1">
+              <a:shade val="50000"/>
+            </a:schemeClr>
+          </a:lnRef>
+          <a:fillRef idx="1">
+            <a:schemeClr val="accent1"/>
+          </a:fillRef>
+          <a:effectRef idx="0">
+            <a:schemeClr val="accent1"/>
+          </a:effectRef>
+          <a:fontRef idx="minor">
+            <a:schemeClr val="lt1"/>
+          </a:fontRef>
+        </p:style>
+        <p:txBody>
+          <a:bodyPr rtlCol="0" anchor="ctr"/>
+          <a:lstStyle/>
+          <a:p>
+            <a:pPr algn="ctr"/>
+            <a:endParaRPr lang="en-US"/>
           </a:p>
         </p:txBody>
       </p:sp>
@@ -23306,96 +23819,19 @@
               </a:ext>
             </a:extLst>
           </a:blip>
-          <a:srcRect t="1513" r="4" b="4"/>
+          <a:srcRect t="8151"/>
           <a:stretch/>
         </p:blipFill>
         <p:spPr>
           <a:xfrm>
-            <a:off x="214009" y="2051613"/>
-            <a:ext cx="3257621" cy="3386150"/>
+            <a:off x="5977788" y="799352"/>
+            <a:ext cx="5425410" cy="5259296"/>
           </a:xfrm>
           <a:prstGeom prst="rect">
             <a:avLst/>
           </a:prstGeom>
         </p:spPr>
       </p:pic>
-      <p:sp>
-        <p:nvSpPr>
-          <p:cNvPr id="3" name="Content Placeholder 2">
-            <a:extLst>
-              <a:ext uri="{FF2B5EF4-FFF2-40B4-BE49-F238E27FC236}">
-                <a16:creationId xmlns:a16="http://schemas.microsoft.com/office/drawing/2014/main" id="{6A8D503B-9145-DC2C-713A-C91FDE47595F}"/>
-              </a:ext>
-            </a:extLst>
-          </p:cNvPr>
-          <p:cNvSpPr>
-            <a:spLocks noGrp="1"/>
-          </p:cNvSpPr>
-          <p:nvPr>
-            <p:ph idx="1"/>
-          </p:nvPr>
-        </p:nvSpPr>
-        <p:spPr>
-          <a:xfrm>
-            <a:off x="3861881" y="1642289"/>
-            <a:ext cx="8116110" cy="4953064"/>
-          </a:xfrm>
-        </p:spPr>
-        <p:txBody>
-          <a:bodyPr anchor="t">
-            <a:normAutofit/>
-          </a:bodyPr>
-          <a:lstStyle/>
-          <a:p>
-            <a:r>
-              <a:rPr lang="es-ES_tradnl" i="1" dirty="0"/>
-              <a:t>¿Dónde debe enfocar su esfuerzo y tiempo? </a:t>
-            </a:r>
-          </a:p>
-          <a:p>
-            <a:r>
-              <a:rPr lang="es-ES_tradnl" dirty="0">
-                <a:sym typeface="Wingdings" panose="05000000000000000000" pitchFamily="2" charset="2"/>
-              </a:rPr>
-              <a:t>Framework para el desarrollo Web en Python </a:t>
-            </a:r>
-            <a:endParaRPr lang="es-ES_tradnl" dirty="0"/>
-          </a:p>
-          <a:p>
-            <a:r>
-              <a:rPr lang="es-ES_tradnl" dirty="0"/>
-              <a:t>Versátil / Fácil de usar</a:t>
-            </a:r>
-          </a:p>
-          <a:p>
-            <a:r>
-              <a:rPr lang="es-ES_tradnl" dirty="0"/>
-              <a:t>Aplicaciones complejas</a:t>
-            </a:r>
-          </a:p>
-          <a:p>
-            <a:r>
-              <a:rPr lang="es-ES_tradnl" dirty="0"/>
-              <a:t>Aplicaciones web eficientes y seguras </a:t>
-            </a:r>
-            <a:endParaRPr lang="es-ES_tradnl" u="sng" dirty="0"/>
-          </a:p>
-          <a:p>
-            <a:r>
-              <a:rPr lang="es-ES_tradnl" dirty="0"/>
-              <a:t>Django–</a:t>
-            </a:r>
-            <a:r>
-              <a:rPr lang="es-ES_tradnl" dirty="0" err="1"/>
-              <a:t>rest</a:t>
-            </a:r>
-            <a:r>
-              <a:rPr lang="es-ES_tradnl" dirty="0"/>
-              <a:t> Framework</a:t>
-            </a:r>
-          </a:p>
-        </p:txBody>
-      </p:sp>
     </p:spTree>
     <p:extLst>
       <p:ext uri="{BB962C8B-B14F-4D97-AF65-F5344CB8AC3E}">
